--- a/Meetings/2019.09.14-fMRIdataOwenLabMeeting.pptx
+++ b/Meetings/2019.09.14-fMRIdataOwenLabMeeting.pptx
@@ -2932,7 +2932,7 @@
           <a:p>
             <a:fld id="{EA3C5DAC-6FE6-4316-87B7-6031F2D95D9A}" type="datetimeFigureOut">
               <a:rPr lang="en-CA" smtClean="0"/>
-              <a:t>18-09-13</a:t>
+              <a:t>18-09-14</a:t>
             </a:fld>
             <a:endParaRPr lang="en-CA"/>
           </a:p>
@@ -4020,7 +4020,7 @@
           <a:p>
             <a:fld id="{C2FC7127-3C0D-4B0F-A0B9-42504EB5A386}" type="datetimeFigureOut">
               <a:rPr lang="en-CA" smtClean="0"/>
-              <a:t>18-09-13</a:t>
+              <a:t>18-09-14</a:t>
             </a:fld>
             <a:endParaRPr lang="en-CA"/>
           </a:p>
@@ -4190,7 +4190,7 @@
           <a:p>
             <a:fld id="{C2FC7127-3C0D-4B0F-A0B9-42504EB5A386}" type="datetimeFigureOut">
               <a:rPr lang="en-CA" smtClean="0"/>
-              <a:t>18-09-13</a:t>
+              <a:t>18-09-14</a:t>
             </a:fld>
             <a:endParaRPr lang="en-CA"/>
           </a:p>
@@ -4370,7 +4370,7 @@
           <a:p>
             <a:fld id="{C2FC7127-3C0D-4B0F-A0B9-42504EB5A386}" type="datetimeFigureOut">
               <a:rPr lang="en-CA" smtClean="0"/>
-              <a:t>18-09-13</a:t>
+              <a:t>18-09-14</a:t>
             </a:fld>
             <a:endParaRPr lang="en-CA"/>
           </a:p>
@@ -4540,7 +4540,7 @@
           <a:p>
             <a:fld id="{C2FC7127-3C0D-4B0F-A0B9-42504EB5A386}" type="datetimeFigureOut">
               <a:rPr lang="en-CA" smtClean="0"/>
-              <a:t>18-09-13</a:t>
+              <a:t>18-09-14</a:t>
             </a:fld>
             <a:endParaRPr lang="en-CA"/>
           </a:p>
@@ -4784,7 +4784,7 @@
           <a:p>
             <a:fld id="{C2FC7127-3C0D-4B0F-A0B9-42504EB5A386}" type="datetimeFigureOut">
               <a:rPr lang="en-CA" smtClean="0"/>
-              <a:t>18-09-13</a:t>
+              <a:t>18-09-14</a:t>
             </a:fld>
             <a:endParaRPr lang="en-CA"/>
           </a:p>
@@ -5016,7 +5016,7 @@
           <a:p>
             <a:fld id="{C2FC7127-3C0D-4B0F-A0B9-42504EB5A386}" type="datetimeFigureOut">
               <a:rPr lang="en-CA" smtClean="0"/>
-              <a:t>18-09-13</a:t>
+              <a:t>18-09-14</a:t>
             </a:fld>
             <a:endParaRPr lang="en-CA"/>
           </a:p>
@@ -5383,7 +5383,7 @@
           <a:p>
             <a:fld id="{C2FC7127-3C0D-4B0F-A0B9-42504EB5A386}" type="datetimeFigureOut">
               <a:rPr lang="en-CA" smtClean="0"/>
-              <a:t>18-09-13</a:t>
+              <a:t>18-09-14</a:t>
             </a:fld>
             <a:endParaRPr lang="en-CA"/>
           </a:p>
@@ -5501,7 +5501,7 @@
           <a:p>
             <a:fld id="{C2FC7127-3C0D-4B0F-A0B9-42504EB5A386}" type="datetimeFigureOut">
               <a:rPr lang="en-CA" smtClean="0"/>
-              <a:t>18-09-13</a:t>
+              <a:t>18-09-14</a:t>
             </a:fld>
             <a:endParaRPr lang="en-CA"/>
           </a:p>
@@ -5596,7 +5596,7 @@
           <a:p>
             <a:fld id="{C2FC7127-3C0D-4B0F-A0B9-42504EB5A386}" type="datetimeFigureOut">
               <a:rPr lang="en-CA" smtClean="0"/>
-              <a:t>18-09-13</a:t>
+              <a:t>18-09-14</a:t>
             </a:fld>
             <a:endParaRPr lang="en-CA"/>
           </a:p>
@@ -5873,7 +5873,7 @@
           <a:p>
             <a:fld id="{C2FC7127-3C0D-4B0F-A0B9-42504EB5A386}" type="datetimeFigureOut">
               <a:rPr lang="en-CA" smtClean="0"/>
-              <a:t>18-09-13</a:t>
+              <a:t>18-09-14</a:t>
             </a:fld>
             <a:endParaRPr lang="en-CA"/>
           </a:p>
@@ -6130,7 +6130,7 @@
           <a:p>
             <a:fld id="{C2FC7127-3C0D-4B0F-A0B9-42504EB5A386}" type="datetimeFigureOut">
               <a:rPr lang="en-CA" smtClean="0"/>
-              <a:t>18-09-13</a:t>
+              <a:t>18-09-14</a:t>
             </a:fld>
             <a:endParaRPr lang="en-CA"/>
           </a:p>
@@ -6343,7 +6343,7 @@
           <a:p>
             <a:fld id="{C2FC7127-3C0D-4B0F-A0B9-42504EB5A386}" type="datetimeFigureOut">
               <a:rPr lang="en-CA" smtClean="0"/>
-              <a:t>18-09-13</a:t>
+              <a:t>18-09-14</a:t>
             </a:fld>
             <a:endParaRPr lang="en-CA"/>
           </a:p>
@@ -9185,7 +9185,7 @@
 </file>
 
 <file path=ppt/slides/slide17.xml><?xml version="1.0" encoding="utf-8"?>
-<p:sld xmlns:a="http://schemas.openxmlformats.org/drawingml/2006/main" xmlns:r="http://schemas.openxmlformats.org/officeDocument/2006/relationships" xmlns:p="http://schemas.openxmlformats.org/presentationml/2006/main" show="0">
+<p:sld xmlns:a="http://schemas.openxmlformats.org/drawingml/2006/main" xmlns:r="http://schemas.openxmlformats.org/officeDocument/2006/relationships" xmlns:p="http://schemas.openxmlformats.org/presentationml/2006/main">
   <p:cSld>
     <p:spTree>
       <p:nvGrpSpPr>
@@ -10060,17 +10060,8 @@
           <a:p>
             <a:r>
               <a:rPr lang="en-CA" dirty="0" smtClean="0"/>
-              <a:t>Evidence </a:t>
-            </a:r>
-            <a:r>
-              <a:rPr lang="en-CA" dirty="0" smtClean="0"/>
-              <a:t>that memory for music is preserved in late stages of Alzheimer’s </a:t>
-            </a:r>
-            <a:r>
-              <a:rPr lang="en-CA" dirty="0" smtClean="0"/>
-              <a:t>disease</a:t>
-            </a:r>
-            <a:endParaRPr lang="en-CA" dirty="0" smtClean="0"/>
+              <a:t>Evidence that memory for music is preserved in late stages of Alzheimer’s disease</a:t>
+            </a:r>
           </a:p>
           <a:p>
             <a:r>
@@ -10091,11 +10082,7 @@
             </a:r>
             <a:r>
               <a:rPr lang="en-CA" dirty="0" smtClean="0"/>
-              <a:t>special’</a:t>
-            </a:r>
-            <a:r>
-              <a:rPr lang="en-CA" dirty="0" smtClean="0"/>
-              <a:t>?</a:t>
+              <a:t>special’?</a:t>
             </a:r>
           </a:p>
           <a:p>
@@ -10110,11 +10097,7 @@
             </a:r>
             <a:r>
               <a:rPr lang="en-CA" sz="1600" dirty="0" smtClean="0"/>
-              <a:t>processes or </a:t>
-            </a:r>
-            <a:r>
-              <a:rPr lang="en-CA" sz="1600" dirty="0" smtClean="0"/>
-              <a:t>remembers</a:t>
+              <a:t>processes or remembers</a:t>
             </a:r>
             <a:r>
               <a:rPr lang="en-CA" sz="1600" dirty="0"/>
@@ -10124,7 +10107,6 @@
               <a:rPr lang="en-CA" sz="1600" dirty="0" smtClean="0"/>
               <a:t>music change in the presence of lyrics?</a:t>
             </a:r>
-            <a:endParaRPr lang="en-CA" sz="1600" dirty="0" smtClean="0"/>
           </a:p>
           <a:p>
             <a:pPr marL="457200" lvl="1" indent="0">
@@ -13734,7 +13716,7 @@
   <a:extraClrSchemeLst/>
   <a:extLst>
     <a:ext uri="{05A4C25C-085E-4340-85A3-A5531E510DB2}">
-      <thm15:themeFamily xmlns:thm15="http://schemas.microsoft.com/office/thememl/2012/main" xmlns="" name="Office Theme" id="{62F939B6-93AF-4DB8-9C6B-D6C7DFDC589F}" vid="{4A3C46E8-61CC-4603-A589-7422A47A8E4A}"/>
+      <thm15:themeFamily xmlns="" xmlns:thm15="http://schemas.microsoft.com/office/thememl/2012/main" name="Office Theme" id="{62F939B6-93AF-4DB8-9C6B-D6C7DFDC589F}" vid="{4A3C46E8-61CC-4603-A589-7422A47A8E4A}"/>
     </a:ext>
   </a:extLst>
 </a:theme>
@@ -13995,7 +13977,7 @@
   <a:extraClrSchemeLst/>
   <a:extLst>
     <a:ext uri="{05A4C25C-085E-4340-85A3-A5531E510DB2}">
-      <thm15:themeFamily xmlns:thm15="http://schemas.microsoft.com/office/thememl/2012/main" xmlns="" name="Office Theme" id="{62F939B6-93AF-4DB8-9C6B-D6C7DFDC589F}" vid="{4A3C46E8-61CC-4603-A589-7422A47A8E4A}"/>
+      <thm15:themeFamily xmlns="" xmlns:thm15="http://schemas.microsoft.com/office/thememl/2012/main" name="Office Theme" id="{62F939B6-93AF-4DB8-9C6B-D6C7DFDC589F}" vid="{4A3C46E8-61CC-4603-A589-7422A47A8E4A}"/>
     </a:ext>
   </a:extLst>
 </a:theme>
